--- a/C++资料包/math/卡特兰数.pptx
+++ b/C++资料包/math/卡特兰数.pptx
@@ -5,10 +5,10 @@
     <p:sldMasterId id="2147483648" r:id="rId1"/>
   </p:sldMasterIdLst>
   <p:notesMasterIdLst>
-    <p:notesMasterId r:id="rId13"/>
+    <p:notesMasterId r:id="rId16"/>
   </p:notesMasterIdLst>
   <p:handoutMasterIdLst>
-    <p:handoutMasterId r:id="rId14"/>
+    <p:handoutMasterId r:id="rId17"/>
   </p:handoutMasterIdLst>
   <p:sldIdLst>
     <p:sldId id="256" r:id="rId3"/>
@@ -19,8 +19,11 @@
     <p:sldId id="263" r:id="rId8"/>
     <p:sldId id="264" r:id="rId9"/>
     <p:sldId id="265" r:id="rId10"/>
-    <p:sldId id="261" r:id="rId11"/>
-    <p:sldId id="262" r:id="rId12"/>
+    <p:sldId id="266" r:id="rId11"/>
+    <p:sldId id="261" r:id="rId12"/>
+    <p:sldId id="262" r:id="rId13"/>
+    <p:sldId id="270" r:id="rId14"/>
+    <p:sldId id="269" r:id="rId15"/>
   </p:sldIdLst>
   <p:sldSz cx="12192000" cy="6858000"/>
   <p:notesSz cx="7103745" cy="10234295"/>
@@ -3471,10 +3474,10 @@
           <a:bodyPr/>
           <a:p>
             <a:r>
-              <a:rPr lang="" altLang="zh-CN"/>
+              <a:rPr lang="en-US" altLang="zh-CN"/>
               <a:t>卡特兰数</a:t>
             </a:r>
-            <a:endParaRPr lang="" altLang="zh-CN"/>
+            <a:endParaRPr lang="en-US" altLang="zh-CN"/>
           </a:p>
         </p:txBody>
       </p:sp>
@@ -3512,6 +3515,72 @@
 </file>
 
 <file path=ppt/slides/slide10.xml><?xml version="1.0" encoding="utf-8"?>
+<p:sld xmlns:a="http://schemas.openxmlformats.org/drawingml/2006/main" xmlns:r="http://schemas.openxmlformats.org/officeDocument/2006/relationships" xmlns:p="http://schemas.openxmlformats.org/presentationml/2006/main">
+  <p:cSld>
+    <p:spTree>
+      <p:nvGrpSpPr>
+        <p:cNvPr id="1" name=""/>
+        <p:cNvGrpSpPr/>
+        <p:nvPr/>
+      </p:nvGrpSpPr>
+      <p:grpSpPr/>
+      <p:sp>
+        <p:nvSpPr>
+          <p:cNvPr id="2" name="标题 1"/>
+          <p:cNvSpPr>
+            <a:spLocks noGrp="1"/>
+          </p:cNvSpPr>
+          <p:nvPr>
+            <p:ph type="title"/>
+          </p:nvPr>
+        </p:nvSpPr>
+        <p:spPr/>
+        <p:txBody>
+          <a:bodyPr/>
+          <a:p>
+            <a:r>
+              <a:rPr lang="en-US" altLang="zh-CN"/>
+              <a:t>快速幂</a:t>
+            </a:r>
+            <a:endParaRPr lang="en-US" altLang="zh-CN"/>
+          </a:p>
+        </p:txBody>
+      </p:sp>
+      <p:pic>
+        <p:nvPicPr>
+          <p:cNvPr id="4" name="内容占位符 3"/>
+          <p:cNvPicPr>
+            <a:picLocks noChangeAspect="1"/>
+          </p:cNvPicPr>
+          <p:nvPr>
+            <p:ph idx="1"/>
+          </p:nvPr>
+        </p:nvPicPr>
+        <p:blipFill>
+          <a:blip r:embed="rId1"/>
+          <a:stretch>
+            <a:fillRect/>
+          </a:stretch>
+        </p:blipFill>
+        <p:spPr>
+          <a:xfrm>
+            <a:off x="384810" y="1179830"/>
+            <a:ext cx="10118090" cy="4742180"/>
+          </a:xfrm>
+          <a:prstGeom prst="rect">
+            <a:avLst/>
+          </a:prstGeom>
+        </p:spPr>
+      </p:pic>
+    </p:spTree>
+  </p:cSld>
+  <p:clrMapOvr>
+    <a:masterClrMapping/>
+  </p:clrMapOvr>
+</p:sld>
+</file>
+
+<file path=ppt/slides/slide11.xml><?xml version="1.0" encoding="utf-8"?>
 <p:sld xmlns:a="http://schemas.openxmlformats.org/drawingml/2006/main" xmlns:r="http://schemas.openxmlformats.org/officeDocument/2006/relationships" xmlns:p="http://schemas.openxmlformats.org/presentationml/2006/main">
   <p:cSld>
     <p:spTree>
@@ -3577,6 +3646,306 @@
 </p:sld>
 </file>
 
+<file path=ppt/slides/slide12.xml><?xml version="1.0" encoding="utf-8"?>
+<p:sld xmlns:a="http://schemas.openxmlformats.org/drawingml/2006/main" xmlns:r="http://schemas.openxmlformats.org/officeDocument/2006/relationships" xmlns:p="http://schemas.openxmlformats.org/presentationml/2006/main">
+  <p:cSld>
+    <p:spTree>
+      <p:nvGrpSpPr>
+        <p:cNvPr id="1" name=""/>
+        <p:cNvGrpSpPr/>
+        <p:nvPr/>
+      </p:nvGrpSpPr>
+      <p:grpSpPr/>
+      <p:sp>
+        <p:nvSpPr>
+          <p:cNvPr id="56324" name="Rectangle 2"/>
+          <p:cNvSpPr>
+            <a:spLocks noGrp="1" noChangeArrowheads="1"/>
+          </p:cNvSpPr>
+          <p:nvPr/>
+        </p:nvSpPr>
+        <p:spPr>
+          <a:xfrm>
+            <a:off x="1752600" y="0"/>
+            <a:ext cx="1395095" cy="3993515"/>
+          </a:xfrm>
+          <a:prstGeom prst="rect">
+            <a:avLst/>
+          </a:prstGeom>
+          <a:noFill/>
+          <a:ln>
+            <a:noFill/>
+          </a:ln>
+        </p:spPr>
+        <p:txBody>
+          <a:bodyPr vert="horz" wrap="square" lIns="91440" tIns="45720" rIns="91440" bIns="45720" numCol="1" anchor="ctr" anchorCtr="0" compatLnSpc="1"/>
+          <a:lstStyle>
+            <a:lvl1pPr algn="l" rtl="0" eaLnBrk="0" fontAlgn="base" hangingPunct="0">
+              <a:spcBef>
+                <a:spcPct val="0"/>
+              </a:spcBef>
+              <a:spcAft>
+                <a:spcPct val="0"/>
+              </a:spcAft>
+              <a:defRPr sz="4400">
+                <a:solidFill>
+                  <a:schemeClr val="tx1"/>
+                </a:solidFill>
+                <a:latin typeface="+mj-lt"/>
+                <a:ea typeface="+mj-ea"/>
+                <a:cs typeface="+mj-cs"/>
+              </a:defRPr>
+            </a:lvl1pPr>
+            <a:lvl2pPr algn="l" rtl="0" eaLnBrk="0" fontAlgn="base" hangingPunct="0">
+              <a:spcBef>
+                <a:spcPct val="0"/>
+              </a:spcBef>
+              <a:spcAft>
+                <a:spcPct val="0"/>
+              </a:spcAft>
+              <a:defRPr sz="4400">
+                <a:solidFill>
+                  <a:schemeClr val="tx1"/>
+                </a:solidFill>
+                <a:latin typeface="Arial" panose="020B0604020202020204" pitchFamily="34" charset="0"/>
+                <a:ea typeface="SimSun" panose="02010600030101010101" pitchFamily="2" charset="-122"/>
+              </a:defRPr>
+            </a:lvl2pPr>
+            <a:lvl3pPr algn="l" rtl="0" eaLnBrk="0" fontAlgn="base" hangingPunct="0">
+              <a:spcBef>
+                <a:spcPct val="0"/>
+              </a:spcBef>
+              <a:spcAft>
+                <a:spcPct val="0"/>
+              </a:spcAft>
+              <a:defRPr sz="4400">
+                <a:solidFill>
+                  <a:schemeClr val="tx1"/>
+                </a:solidFill>
+                <a:latin typeface="Arial" panose="020B0604020202020204" pitchFamily="34" charset="0"/>
+                <a:ea typeface="SimSun" panose="02010600030101010101" pitchFamily="2" charset="-122"/>
+              </a:defRPr>
+            </a:lvl3pPr>
+            <a:lvl4pPr algn="l" rtl="0" eaLnBrk="0" fontAlgn="base" hangingPunct="0">
+              <a:spcBef>
+                <a:spcPct val="0"/>
+              </a:spcBef>
+              <a:spcAft>
+                <a:spcPct val="0"/>
+              </a:spcAft>
+              <a:defRPr sz="4400">
+                <a:solidFill>
+                  <a:schemeClr val="tx1"/>
+                </a:solidFill>
+                <a:latin typeface="Arial" panose="020B0604020202020204" pitchFamily="34" charset="0"/>
+                <a:ea typeface="SimSun" panose="02010600030101010101" pitchFamily="2" charset="-122"/>
+              </a:defRPr>
+            </a:lvl4pPr>
+            <a:lvl5pPr algn="l" rtl="0" eaLnBrk="0" fontAlgn="base" hangingPunct="0">
+              <a:spcBef>
+                <a:spcPct val="0"/>
+              </a:spcBef>
+              <a:spcAft>
+                <a:spcPct val="0"/>
+              </a:spcAft>
+              <a:defRPr sz="4400">
+                <a:solidFill>
+                  <a:schemeClr val="tx1"/>
+                </a:solidFill>
+                <a:latin typeface="Arial" panose="020B0604020202020204" pitchFamily="34" charset="0"/>
+                <a:ea typeface="SimSun" panose="02010600030101010101" pitchFamily="2" charset="-122"/>
+              </a:defRPr>
+            </a:lvl5pPr>
+            <a:lvl6pPr marL="457200" algn="l" rtl="0" eaLnBrk="0" fontAlgn="base" hangingPunct="0">
+              <a:spcBef>
+                <a:spcPct val="0"/>
+              </a:spcBef>
+              <a:spcAft>
+                <a:spcPct val="0"/>
+              </a:spcAft>
+              <a:defRPr sz="4400">
+                <a:solidFill>
+                  <a:schemeClr val="tx1"/>
+                </a:solidFill>
+                <a:latin typeface="Arial" panose="020B0604020202020204" pitchFamily="34" charset="0"/>
+                <a:ea typeface="SimSun" panose="02010600030101010101" pitchFamily="2" charset="-122"/>
+              </a:defRPr>
+            </a:lvl6pPr>
+            <a:lvl7pPr marL="914400" algn="l" rtl="0" eaLnBrk="0" fontAlgn="base" hangingPunct="0">
+              <a:spcBef>
+                <a:spcPct val="0"/>
+              </a:spcBef>
+              <a:spcAft>
+                <a:spcPct val="0"/>
+              </a:spcAft>
+              <a:defRPr sz="4400">
+                <a:solidFill>
+                  <a:schemeClr val="tx1"/>
+                </a:solidFill>
+                <a:latin typeface="Arial" panose="020B0604020202020204" pitchFamily="34" charset="0"/>
+                <a:ea typeface="SimSun" panose="02010600030101010101" pitchFamily="2" charset="-122"/>
+              </a:defRPr>
+            </a:lvl7pPr>
+            <a:lvl8pPr marL="1371600" algn="l" rtl="0" eaLnBrk="0" fontAlgn="base" hangingPunct="0">
+              <a:spcBef>
+                <a:spcPct val="0"/>
+              </a:spcBef>
+              <a:spcAft>
+                <a:spcPct val="0"/>
+              </a:spcAft>
+              <a:defRPr sz="4400">
+                <a:solidFill>
+                  <a:schemeClr val="tx1"/>
+                </a:solidFill>
+                <a:latin typeface="Arial" panose="020B0604020202020204" pitchFamily="34" charset="0"/>
+                <a:ea typeface="SimSun" panose="02010600030101010101" pitchFamily="2" charset="-122"/>
+              </a:defRPr>
+            </a:lvl8pPr>
+            <a:lvl9pPr marL="1828800" algn="l" rtl="0" eaLnBrk="0" fontAlgn="base" hangingPunct="0">
+              <a:spcBef>
+                <a:spcPct val="0"/>
+              </a:spcBef>
+              <a:spcAft>
+                <a:spcPct val="0"/>
+              </a:spcAft>
+              <a:defRPr sz="4400">
+                <a:solidFill>
+                  <a:schemeClr val="tx1"/>
+                </a:solidFill>
+                <a:latin typeface="Arial" panose="020B0604020202020204" pitchFamily="34" charset="0"/>
+                <a:ea typeface="SimSun" panose="02010600030101010101" pitchFamily="2" charset="-122"/>
+              </a:defRPr>
+            </a:lvl9pPr>
+          </a:lstStyle>
+          <a:p>
+            <a:pPr eaLnBrk="1" hangingPunct="1">
+              <a:defRPr/>
+            </a:pPr>
+            <a:r>
+              <a:rPr lang="en-US" sz="2800" b="1" dirty="0">
+                <a:effectLst>
+                  <a:outerShdw blurRad="38100" dist="38100" dir="2700000" algn="tl">
+                    <a:srgbClr val="C0C0C0"/>
+                  </a:outerShdw>
+                </a:effectLst>
+                <a:latin typeface="黑体" panose="02010609060101010101" pitchFamily="2" charset="-122"/>
+                <a:ea typeface="黑体" panose="02010609060101010101" pitchFamily="2" charset="-122"/>
+              </a:rPr>
+              <a:t>P4017 最大食物链计数</a:t>
+            </a:r>
+            <a:endParaRPr lang="en-US" sz="2800" b="1" dirty="0">
+              <a:effectLst>
+                <a:outerShdw blurRad="38100" dist="38100" dir="2700000" algn="tl">
+                  <a:srgbClr val="C0C0C0"/>
+                </a:outerShdw>
+              </a:effectLst>
+              <a:latin typeface="黑体" panose="02010609060101010101" pitchFamily="2" charset="-122"/>
+              <a:ea typeface="黑体" panose="02010609060101010101" pitchFamily="2" charset="-122"/>
+            </a:endParaRPr>
+          </a:p>
+        </p:txBody>
+      </p:sp>
+      <p:pic>
+        <p:nvPicPr>
+          <p:cNvPr id="2" name="图片 1"/>
+          <p:cNvPicPr>
+            <a:picLocks noChangeAspect="1"/>
+          </p:cNvPicPr>
+          <p:nvPr/>
+        </p:nvPicPr>
+        <p:blipFill>
+          <a:blip r:embed="rId1"/>
+          <a:stretch>
+            <a:fillRect/>
+          </a:stretch>
+        </p:blipFill>
+        <p:spPr>
+          <a:xfrm>
+            <a:off x="3268345" y="0"/>
+            <a:ext cx="6652260" cy="6871970"/>
+          </a:xfrm>
+          <a:prstGeom prst="rect">
+            <a:avLst/>
+          </a:prstGeom>
+        </p:spPr>
+      </p:pic>
+    </p:spTree>
+  </p:cSld>
+  <p:clrMapOvr>
+    <a:masterClrMapping/>
+  </p:clrMapOvr>
+  <p:transition spd="med">
+    <p:wipe dir="r"/>
+  </p:transition>
+</p:sld>
+</file>
+
+<file path=ppt/slides/slide13.xml><?xml version="1.0" encoding="utf-8"?>
+<p:sld xmlns:a="http://schemas.openxmlformats.org/drawingml/2006/main" xmlns:r="http://schemas.openxmlformats.org/officeDocument/2006/relationships" xmlns:p="http://schemas.openxmlformats.org/presentationml/2006/main">
+  <p:cSld>
+    <p:spTree>
+      <p:nvGrpSpPr>
+        <p:cNvPr id="1" name=""/>
+        <p:cNvGrpSpPr/>
+        <p:nvPr/>
+      </p:nvGrpSpPr>
+      <p:grpSpPr/>
+      <p:sp>
+        <p:nvSpPr>
+          <p:cNvPr id="2" name="标题 1"/>
+          <p:cNvSpPr>
+            <a:spLocks noGrp="1"/>
+          </p:cNvSpPr>
+          <p:nvPr>
+            <p:ph type="title"/>
+          </p:nvPr>
+        </p:nvSpPr>
+        <p:spPr/>
+        <p:txBody>
+          <a:bodyPr/>
+          <a:p>
+            <a:r>
+              <a:rPr lang="zh-CN" altLang="en-US"/>
+              <a:t>P2196 挖地雷</a:t>
+            </a:r>
+            <a:endParaRPr lang="zh-CN" altLang="en-US"/>
+          </a:p>
+        </p:txBody>
+      </p:sp>
+      <p:pic>
+        <p:nvPicPr>
+          <p:cNvPr id="4" name="内容占位符 3"/>
+          <p:cNvPicPr>
+            <a:picLocks noChangeAspect="1"/>
+          </p:cNvPicPr>
+          <p:nvPr>
+            <p:ph idx="1"/>
+          </p:nvPr>
+        </p:nvPicPr>
+        <p:blipFill>
+          <a:blip r:embed="rId1"/>
+          <a:stretch>
+            <a:fillRect/>
+          </a:stretch>
+        </p:blipFill>
+        <p:spPr>
+          <a:xfrm>
+            <a:off x="365125" y="1139825"/>
+            <a:ext cx="7074535" cy="5700395"/>
+          </a:xfrm>
+          <a:prstGeom prst="rect">
+            <a:avLst/>
+          </a:prstGeom>
+        </p:spPr>
+      </p:pic>
+    </p:spTree>
+  </p:cSld>
+  <p:clrMapOvr>
+    <a:masterClrMapping/>
+  </p:clrMapOvr>
+</p:sld>
+</file>
+
 <file path=ppt/slides/slide2.xml><?xml version="1.0" encoding="utf-8"?>
 <p:sld xmlns:a="http://schemas.openxmlformats.org/drawingml/2006/main" xmlns:r="http://schemas.openxmlformats.org/officeDocument/2006/relationships" xmlns:p="http://schemas.openxmlformats.org/presentationml/2006/main">
   <p:cSld>
@@ -3624,10 +3993,10 @@
           <a:bodyPr/>
           <a:p>
             <a:r>
-              <a:rPr lang="" altLang="zh-CN"/>
+              <a:rPr lang="en-US" altLang="zh-CN"/>
               <a:t>括号匹配</a:t>
             </a:r>
-            <a:endParaRPr lang="" altLang="zh-CN"/>
+            <a:endParaRPr lang="en-US" altLang="zh-CN"/>
           </a:p>
         </p:txBody>
       </p:sp>
@@ -4003,7 +4372,7 @@
           <a:p>
             <a:r>
               <a:rPr lang="zh-CN" altLang="en-US"/>
-              <a:t>矩阵乘法</a:t>
+              <a:t>P3390 【模板】矩阵快速幂</a:t>
             </a:r>
             <a:endParaRPr lang="zh-CN" altLang="en-US"/>
           </a:p>
@@ -4101,22 +4470,20 @@
           <a:bodyPr/>
           <a:p>
             <a:r>
-              <a:rPr lang="" altLang="zh-CN"/>
-              <a:t>快速幂</a:t>
-            </a:r>
-            <a:endParaRPr lang="" altLang="zh-CN"/>
+              <a:rPr lang="zh-CN" altLang="en-US"/>
+              <a:t>矩阵优化递推</a:t>
+            </a:r>
+            <a:endParaRPr lang="zh-CN" altLang="en-US"/>
           </a:p>
         </p:txBody>
       </p:sp>
       <p:pic>
         <p:nvPicPr>
-          <p:cNvPr id="4" name="内容占位符 3"/>
+          <p:cNvPr id="3" name="图片 2"/>
           <p:cNvPicPr>
             <a:picLocks noChangeAspect="1"/>
           </p:cNvPicPr>
-          <p:nvPr>
-            <p:ph idx="1"/>
-          </p:nvPr>
+          <p:nvPr/>
         </p:nvPicPr>
         <p:blipFill>
           <a:blip r:embed="rId1"/>
@@ -4126,8 +4493,8 @@
         </p:blipFill>
         <p:spPr>
           <a:xfrm>
-            <a:off x="384810" y="1179830"/>
-            <a:ext cx="10118090" cy="4742180"/>
+            <a:off x="456565" y="1031875"/>
+            <a:ext cx="10941685" cy="5577205"/>
           </a:xfrm>
           <a:prstGeom prst="rect">
             <a:avLst/>
